--- a/src/main/java/ee/bcs/java/lectures/Loeng4 - stringid, rekursioon, faili lugemine.pptx
+++ b/src/main/java/ee/bcs/java/lectures/Loeng4 - stringid, rekursioon, faili lugemine.pptx
@@ -325,7 +325,7 @@
             <a:fld id="{9B034333-4FC0-4832-B48E-1BB4D6BFA92F}" type="datetimeFigureOut">
               <a:rPr lang="et-EE" smtClean="0"/>
               <a:pPr/>
-              <a:t>28.10.2020</a:t>
+              <a:t>30.01.2021</a:t>
             </a:fld>
             <a:endParaRPr lang="et-EE"/>
           </a:p>
@@ -544,7 +544,7 @@
             <a:fld id="{9B034333-4FC0-4832-B48E-1BB4D6BFA92F}" type="datetimeFigureOut">
               <a:rPr lang="et-EE" smtClean="0"/>
               <a:pPr/>
-              <a:t>28.10.2020</a:t>
+              <a:t>30.01.2021</a:t>
             </a:fld>
             <a:endParaRPr lang="et-EE"/>
           </a:p>
@@ -719,7 +719,7 @@
             <a:fld id="{9B034333-4FC0-4832-B48E-1BB4D6BFA92F}" type="datetimeFigureOut">
               <a:rPr lang="et-EE" smtClean="0"/>
               <a:pPr/>
-              <a:t>28.10.2020</a:t>
+              <a:t>30.01.2021</a:t>
             </a:fld>
             <a:endParaRPr lang="et-EE"/>
           </a:p>
@@ -962,7 +962,7 @@
             <a:fld id="{9B034333-4FC0-4832-B48E-1BB4D6BFA92F}" type="datetimeFigureOut">
               <a:rPr lang="et-EE" smtClean="0"/>
               <a:pPr/>
-              <a:t>28.10.2020</a:t>
+              <a:t>30.01.2021</a:t>
             </a:fld>
             <a:endParaRPr lang="et-EE"/>
           </a:p>
@@ -1259,7 +1259,7 @@
             <a:fld id="{9B034333-4FC0-4832-B48E-1BB4D6BFA92F}" type="datetimeFigureOut">
               <a:rPr lang="et-EE" smtClean="0"/>
               <a:pPr/>
-              <a:t>28.10.2020</a:t>
+              <a:t>30.01.2021</a:t>
             </a:fld>
             <a:endParaRPr lang="et-EE"/>
           </a:p>
@@ -1611,7 +1611,7 @@
             <a:fld id="{9B034333-4FC0-4832-B48E-1BB4D6BFA92F}" type="datetimeFigureOut">
               <a:rPr lang="et-EE" smtClean="0"/>
               <a:pPr/>
-              <a:t>28.10.2020</a:t>
+              <a:t>30.01.2021</a:t>
             </a:fld>
             <a:endParaRPr lang="et-EE"/>
           </a:p>
@@ -2111,7 +2111,7 @@
             <a:fld id="{9B034333-4FC0-4832-B48E-1BB4D6BFA92F}" type="datetimeFigureOut">
               <a:rPr lang="et-EE" smtClean="0"/>
               <a:pPr/>
-              <a:t>28.10.2020</a:t>
+              <a:t>30.01.2021</a:t>
             </a:fld>
             <a:endParaRPr lang="et-EE"/>
           </a:p>
@@ -2225,7 +2225,7 @@
             <a:fld id="{9B034333-4FC0-4832-B48E-1BB4D6BFA92F}" type="datetimeFigureOut">
               <a:rPr lang="et-EE" smtClean="0"/>
               <a:pPr/>
-              <a:t>28.10.2020</a:t>
+              <a:t>30.01.2021</a:t>
             </a:fld>
             <a:endParaRPr lang="et-EE"/>
           </a:p>
@@ -2317,7 +2317,7 @@
             <a:fld id="{9B034333-4FC0-4832-B48E-1BB4D6BFA92F}" type="datetimeFigureOut">
               <a:rPr lang="et-EE" smtClean="0"/>
               <a:pPr/>
-              <a:t>28.10.2020</a:t>
+              <a:t>30.01.2021</a:t>
             </a:fld>
             <a:endParaRPr lang="et-EE"/>
           </a:p>
@@ -2589,7 +2589,7 @@
             <a:fld id="{9B034333-4FC0-4832-B48E-1BB4D6BFA92F}" type="datetimeFigureOut">
               <a:rPr lang="et-EE" smtClean="0"/>
               <a:pPr/>
-              <a:t>28.10.2020</a:t>
+              <a:t>30.01.2021</a:t>
             </a:fld>
             <a:endParaRPr lang="et-EE"/>
           </a:p>
@@ -2841,7 +2841,7 @@
             <a:fld id="{9B034333-4FC0-4832-B48E-1BB4D6BFA92F}" type="datetimeFigureOut">
               <a:rPr lang="et-EE" smtClean="0"/>
               <a:pPr/>
-              <a:t>28.10.2020</a:t>
+              <a:t>30.01.2021</a:t>
             </a:fld>
             <a:endParaRPr lang="et-EE"/>
           </a:p>
@@ -3050,7 +3050,7 @@
             <a:fld id="{9B034333-4FC0-4832-B48E-1BB4D6BFA92F}" type="datetimeFigureOut">
               <a:rPr lang="et-EE" smtClean="0"/>
               <a:pPr/>
-              <a:t>28.10.2020</a:t>
+              <a:t>30.01.2021</a:t>
             </a:fld>
             <a:endParaRPr lang="et-EE"/>
           </a:p>
@@ -3442,20 +3442,8 @@
           <a:lstStyle/>
           <a:p>
             <a:r>
-              <a:rPr lang="en-US" b="1" dirty="0"/>
-              <a:t>Java </a:t>
-            </a:r>
-            <a:r>
-              <a:rPr lang="en-US" b="1" dirty="0" err="1"/>
-              <a:t>arendaja</a:t>
-            </a:r>
-            <a:r>
-              <a:rPr lang="en-US" b="1" dirty="0"/>
-              <a:t> </a:t>
-            </a:r>
-            <a:r>
-              <a:rPr lang="en-US" b="1" dirty="0" err="1"/>
-              <a:t>õhtuõpe</a:t>
+              <a:rPr lang="et-EE" b="1" dirty="0"/>
+              <a:t>Java arendaja õhtuõpe</a:t>
             </a:r>
             <a:endParaRPr lang="et-EE" dirty="0"/>
           </a:p>
@@ -3478,15 +3466,7 @@
           <a:p>
             <a:r>
               <a:rPr lang="et-EE" dirty="0"/>
-              <a:t>Stringid, </a:t>
-            </a:r>
-            <a:r>
-              <a:rPr lang="et-EE" dirty="0" err="1"/>
-              <a:t>Rekursioon</a:t>
-            </a:r>
-            <a:r>
-              <a:rPr lang="et-EE" dirty="0"/>
-              <a:t>, Failist lugemine</a:t>
+              <a:t>Stringid, Rekursioon, Failist lugemine</a:t>
             </a:r>
           </a:p>
           <a:p>
@@ -3535,10 +3515,9 @@
           <a:lstStyle/>
           <a:p>
             <a:r>
-              <a:rPr lang="et-EE" dirty="0" err="1"/>
+              <a:rPr lang="et-EE" dirty="0"/>
               <a:t>Rekursioon</a:t>
             </a:r>
-            <a:endParaRPr lang="et-EE" dirty="0"/>
           </a:p>
         </p:txBody>
       </p:sp>
